--- a/git,github/Git_Github_practice.pptx
+++ b/git,github/Git_Github_practice.pptx
@@ -246,7 +246,7 @@
           <a:p>
             <a:fld id="{0F43395E-EB1F-4CDB-B40E-5515D2721F09}" type="datetimeFigureOut">
               <a:rPr lang="ko-KR" altLang="en-US" smtClean="0"/>
-              <a:t>2020-01-28</a:t>
+              <a:t>2020-01-29</a:t>
             </a:fld>
             <a:endParaRPr lang="ko-KR" altLang="en-US"/>
           </a:p>
@@ -660,7 +660,7 @@
           <a:p>
             <a:fld id="{95A51DB0-CD7E-4335-A51A-02F406B4B963}" type="datetimeFigureOut">
               <a:rPr lang="ko-KR" altLang="en-US" smtClean="0"/>
-              <a:t>2020-01-28</a:t>
+              <a:t>2020-01-29</a:t>
             </a:fld>
             <a:endParaRPr lang="ko-KR" altLang="en-US"/>
           </a:p>
@@ -858,7 +858,7 @@
           <a:p>
             <a:fld id="{95A51DB0-CD7E-4335-A51A-02F406B4B963}" type="datetimeFigureOut">
               <a:rPr lang="ko-KR" altLang="en-US" smtClean="0"/>
-              <a:t>2020-01-28</a:t>
+              <a:t>2020-01-29</a:t>
             </a:fld>
             <a:endParaRPr lang="ko-KR" altLang="en-US"/>
           </a:p>
@@ -1066,7 +1066,7 @@
           <a:p>
             <a:fld id="{95A51DB0-CD7E-4335-A51A-02F406B4B963}" type="datetimeFigureOut">
               <a:rPr lang="ko-KR" altLang="en-US" smtClean="0"/>
-              <a:t>2020-01-28</a:t>
+              <a:t>2020-01-29</a:t>
             </a:fld>
             <a:endParaRPr lang="ko-KR" altLang="en-US"/>
           </a:p>
@@ -1264,7 +1264,7 @@
           <a:p>
             <a:fld id="{95A51DB0-CD7E-4335-A51A-02F406B4B963}" type="datetimeFigureOut">
               <a:rPr lang="ko-KR" altLang="en-US" smtClean="0"/>
-              <a:t>2020-01-28</a:t>
+              <a:t>2020-01-29</a:t>
             </a:fld>
             <a:endParaRPr lang="ko-KR" altLang="en-US"/>
           </a:p>
@@ -1539,7 +1539,7 @@
           <a:p>
             <a:fld id="{95A51DB0-CD7E-4335-A51A-02F406B4B963}" type="datetimeFigureOut">
               <a:rPr lang="ko-KR" altLang="en-US" smtClean="0"/>
-              <a:t>2020-01-28</a:t>
+              <a:t>2020-01-29</a:t>
             </a:fld>
             <a:endParaRPr lang="ko-KR" altLang="en-US"/>
           </a:p>
@@ -1804,7 +1804,7 @@
           <a:p>
             <a:fld id="{95A51DB0-CD7E-4335-A51A-02F406B4B963}" type="datetimeFigureOut">
               <a:rPr lang="ko-KR" altLang="en-US" smtClean="0"/>
-              <a:t>2020-01-28</a:t>
+              <a:t>2020-01-29</a:t>
             </a:fld>
             <a:endParaRPr lang="ko-KR" altLang="en-US"/>
           </a:p>
@@ -2216,7 +2216,7 @@
           <a:p>
             <a:fld id="{95A51DB0-CD7E-4335-A51A-02F406B4B963}" type="datetimeFigureOut">
               <a:rPr lang="ko-KR" altLang="en-US" smtClean="0"/>
-              <a:t>2020-01-28</a:t>
+              <a:t>2020-01-29</a:t>
             </a:fld>
             <a:endParaRPr lang="ko-KR" altLang="en-US"/>
           </a:p>
@@ -2357,7 +2357,7 @@
           <a:p>
             <a:fld id="{95A51DB0-CD7E-4335-A51A-02F406B4B963}" type="datetimeFigureOut">
               <a:rPr lang="ko-KR" altLang="en-US" smtClean="0"/>
-              <a:t>2020-01-28</a:t>
+              <a:t>2020-01-29</a:t>
             </a:fld>
             <a:endParaRPr lang="ko-KR" altLang="en-US"/>
           </a:p>
@@ -2470,7 +2470,7 @@
           <a:p>
             <a:fld id="{95A51DB0-CD7E-4335-A51A-02F406B4B963}" type="datetimeFigureOut">
               <a:rPr lang="ko-KR" altLang="en-US" smtClean="0"/>
-              <a:t>2020-01-28</a:t>
+              <a:t>2020-01-29</a:t>
             </a:fld>
             <a:endParaRPr lang="ko-KR" altLang="en-US"/>
           </a:p>
@@ -2781,7 +2781,7 @@
           <a:p>
             <a:fld id="{95A51DB0-CD7E-4335-A51A-02F406B4B963}" type="datetimeFigureOut">
               <a:rPr lang="ko-KR" altLang="en-US" smtClean="0"/>
-              <a:t>2020-01-28</a:t>
+              <a:t>2020-01-29</a:t>
             </a:fld>
             <a:endParaRPr lang="ko-KR" altLang="en-US"/>
           </a:p>
@@ -3069,7 +3069,7 @@
           <a:p>
             <a:fld id="{95A51DB0-CD7E-4335-A51A-02F406B4B963}" type="datetimeFigureOut">
               <a:rPr lang="ko-KR" altLang="en-US" smtClean="0"/>
-              <a:t>2020-01-28</a:t>
+              <a:t>2020-01-29</a:t>
             </a:fld>
             <a:endParaRPr lang="ko-KR" altLang="en-US"/>
           </a:p>
@@ -3310,7 +3310,7 @@
           <a:p>
             <a:fld id="{95A51DB0-CD7E-4335-A51A-02F406B4B963}" type="datetimeFigureOut">
               <a:rPr lang="ko-KR" altLang="en-US" smtClean="0"/>
-              <a:t>2020-01-28</a:t>
+              <a:t>2020-01-29</a:t>
             </a:fld>
             <a:endParaRPr lang="ko-KR" altLang="en-US"/>
           </a:p>
@@ -40139,6 +40139,73 @@
           </p:txBody>
         </p:sp>
       </p:grpSp>
+      <p:sp>
+        <p:nvSpPr>
+          <p:cNvPr id="15" name="TextBox 14">
+            <a:extLst>
+              <a:ext uri="{FF2B5EF4-FFF2-40B4-BE49-F238E27FC236}">
+                <a16:creationId xmlns:a16="http://schemas.microsoft.com/office/drawing/2014/main" id="{0D313FC1-0832-4E71-9C95-ADD14CF33F07}"/>
+              </a:ext>
+            </a:extLst>
+          </p:cNvPr>
+          <p:cNvSpPr txBox="1"/>
+          <p:nvPr/>
+        </p:nvSpPr>
+        <p:spPr>
+          <a:xfrm>
+            <a:off x="743429" y="2961277"/>
+            <a:ext cx="10573320" cy="509627"/>
+          </a:xfrm>
+          <a:prstGeom prst="rect">
+            <a:avLst/>
+          </a:prstGeom>
+          <a:noFill/>
+        </p:spPr>
+        <p:txBody>
+          <a:bodyPr wrap="square" rtlCol="0">
+            <a:spAutoFit/>
+          </a:bodyPr>
+          <a:lstStyle/>
+          <a:p>
+            <a:pPr>
+              <a:lnSpc>
+                <a:spcPct val="150000"/>
+              </a:lnSpc>
+            </a:pPr>
+            <a:r>
+              <a:rPr lang="ko-KR" altLang="en-US" sz="2000" dirty="0">
+                <a:solidFill>
+                  <a:srgbClr val="77635B"/>
+                </a:solidFill>
+                <a:latin typeface="나눔스퀘어라운드 Regular" panose="020B0600000101010101" pitchFamily="50" charset="-127"/>
+                <a:ea typeface="나눔스퀘어라운드 Regular" panose="020B0600000101010101" pitchFamily="50" charset="-127"/>
+              </a:rPr>
+              <a:t>▶ 포트폴리오 관리로도 사용되기도 함</a:t>
+            </a:r>
+            <a:r>
+              <a:rPr lang="en-US" altLang="ko-KR" sz="2000">
+                <a:solidFill>
+                  <a:srgbClr val="77635B"/>
+                </a:solidFill>
+                <a:latin typeface="나눔스퀘어라운드 Regular" panose="020B0600000101010101" pitchFamily="50" charset="-127"/>
+                <a:ea typeface="나눔스퀘어라운드 Regular" panose="020B0600000101010101" pitchFamily="50" charset="-127"/>
+              </a:rPr>
+              <a:t>!</a:t>
+            </a:r>
+            <a:endParaRPr lang="ko-KR" altLang="en-US" sz="4800" spc="-179" baseline="1157" dirty="0">
+              <a:effectLst>
+                <a:outerShdw blurRad="38100" dist="38100" dir="2700000" algn="tl">
+                  <a:srgbClr val="000000">
+                    <a:alpha val="43137"/>
+                  </a:srgbClr>
+                </a:outerShdw>
+              </a:effectLst>
+              <a:latin typeface="나눔스퀘어라운드 Regular" panose="020B0600000101010101" pitchFamily="50" charset="-127"/>
+              <a:ea typeface="나눔스퀘어라운드 Regular" panose="020B0600000101010101" pitchFamily="50" charset="-127"/>
+            </a:endParaRPr>
+          </a:p>
+        </p:txBody>
+      </p:sp>
     </p:spTree>
     <p:extLst>
       <p:ext uri="{BB962C8B-B14F-4D97-AF65-F5344CB8AC3E}">
